--- a/14_big_data/05-Duragan-Veri-Analizi/04_spark_pair_rdd/02_rdd_join_operations.pptx
+++ b/14_big_data/05-Duragan-Veri-Analizi/04_spark_pair_rdd/02_rdd_join_operations.pptx
@@ -132,6 +132,75 @@
 <file path=ppt/changesInfos/changesInfo1.xml><?xml version="1.0" encoding="utf-8"?>
 <pc:chgInfo xmlns:a="http://schemas.openxmlformats.org/drawingml/2006/main" xmlns:r="http://schemas.openxmlformats.org/officeDocument/2006/relationships" xmlns:ac="http://schemas.microsoft.com/office/drawing/2013/main/command" xmlns:pc="http://schemas.microsoft.com/office/powerpoint/2013/main/command">
   <pc:docChgLst>
+    <pc:chgData name="Erkan ŞİRİN" userId="7f10ce1d6aaf8c5d" providerId="LiveId" clId="{DC285213-2538-475A-9B39-1CC276D9E954}"/>
+    <pc:docChg chg="custSel modSld">
+      <pc:chgData name="Erkan ŞİRİN" userId="7f10ce1d6aaf8c5d" providerId="LiveId" clId="{DC285213-2538-475A-9B39-1CC276D9E954}" dt="2019-07-23T20:50:39.839" v="3" actId="478"/>
+      <pc:docMkLst>
+        <pc:docMk/>
+      </pc:docMkLst>
+      <pc:sldChg chg="delSp">
+        <pc:chgData name="Erkan ŞİRİN" userId="7f10ce1d6aaf8c5d" providerId="LiveId" clId="{DC285213-2538-475A-9B39-1CC276D9E954}" dt="2019-07-23T20:50:34.629" v="0" actId="478"/>
+        <pc:sldMkLst>
+          <pc:docMk/>
+          <pc:sldMk cId="171602295" sldId="282"/>
+        </pc:sldMkLst>
+        <pc:picChg chg="del">
+          <ac:chgData name="Erkan ŞİRİN" userId="7f10ce1d6aaf8c5d" providerId="LiveId" clId="{DC285213-2538-475A-9B39-1CC276D9E954}" dt="2019-07-23T20:50:34.629" v="0" actId="478"/>
+          <ac:picMkLst>
+            <pc:docMk/>
+            <pc:sldMk cId="171602295" sldId="282"/>
+            <ac:picMk id="13" creationId="{9ECD3A5C-4BED-402A-BEDF-89E741423E9F}"/>
+          </ac:picMkLst>
+        </pc:picChg>
+      </pc:sldChg>
+      <pc:sldChg chg="delSp">
+        <pc:chgData name="Erkan ŞİRİN" userId="7f10ce1d6aaf8c5d" providerId="LiveId" clId="{DC285213-2538-475A-9B39-1CC276D9E954}" dt="2019-07-23T20:50:36.311" v="1" actId="478"/>
+        <pc:sldMkLst>
+          <pc:docMk/>
+          <pc:sldMk cId="1857520888" sldId="291"/>
+        </pc:sldMkLst>
+        <pc:picChg chg="del">
+          <ac:chgData name="Erkan ŞİRİN" userId="7f10ce1d6aaf8c5d" providerId="LiveId" clId="{DC285213-2538-475A-9B39-1CC276D9E954}" dt="2019-07-23T20:50:36.311" v="1" actId="478"/>
+          <ac:picMkLst>
+            <pc:docMk/>
+            <pc:sldMk cId="1857520888" sldId="291"/>
+            <ac:picMk id="16" creationId="{A16F4191-1DAA-4FF6-B465-B8F10EE63FC0}"/>
+          </ac:picMkLst>
+        </pc:picChg>
+      </pc:sldChg>
+      <pc:sldChg chg="delSp">
+        <pc:chgData name="Erkan ŞİRİN" userId="7f10ce1d6aaf8c5d" providerId="LiveId" clId="{DC285213-2538-475A-9B39-1CC276D9E954}" dt="2019-07-23T20:50:38.103" v="2" actId="478"/>
+        <pc:sldMkLst>
+          <pc:docMk/>
+          <pc:sldMk cId="3873237610" sldId="292"/>
+        </pc:sldMkLst>
+        <pc:picChg chg="del">
+          <ac:chgData name="Erkan ŞİRİN" userId="7f10ce1d6aaf8c5d" providerId="LiveId" clId="{DC285213-2538-475A-9B39-1CC276D9E954}" dt="2019-07-23T20:50:38.103" v="2" actId="478"/>
+          <ac:picMkLst>
+            <pc:docMk/>
+            <pc:sldMk cId="3873237610" sldId="292"/>
+            <ac:picMk id="18" creationId="{FFB724D6-B83B-4FE6-9380-0F8ED999E4FA}"/>
+          </ac:picMkLst>
+        </pc:picChg>
+      </pc:sldChg>
+      <pc:sldChg chg="delSp">
+        <pc:chgData name="Erkan ŞİRİN" userId="7f10ce1d6aaf8c5d" providerId="LiveId" clId="{DC285213-2538-475A-9B39-1CC276D9E954}" dt="2019-07-23T20:50:39.839" v="3" actId="478"/>
+        <pc:sldMkLst>
+          <pc:docMk/>
+          <pc:sldMk cId="2476733096" sldId="293"/>
+        </pc:sldMkLst>
+        <pc:picChg chg="del">
+          <ac:chgData name="Erkan ŞİRİN" userId="7f10ce1d6aaf8c5d" providerId="LiveId" clId="{DC285213-2538-475A-9B39-1CC276D9E954}" dt="2019-07-23T20:50:39.839" v="3" actId="478"/>
+          <ac:picMkLst>
+            <pc:docMk/>
+            <pc:sldMk cId="2476733096" sldId="293"/>
+            <ac:picMk id="22" creationId="{828A429A-E826-4210-9B43-7F4FFFBEFEC1}"/>
+          </ac:picMkLst>
+        </pc:picChg>
+      </pc:sldChg>
+    </pc:docChg>
+  </pc:docChgLst>
+  <pc:docChgLst>
     <pc:chgData name="Erkan ŞİRİN" userId="7f10ce1d6aaf8c5d" providerId="LiveId" clId="{D8DBEDBC-6B40-438D-A94C-0E46FADC445A}"/>
     <pc:docChg chg="custSel modSld">
       <pc:chgData name="Erkan ŞİRİN" userId="7f10ce1d6aaf8c5d" providerId="LiveId" clId="{D8DBEDBC-6B40-438D-A94C-0E46FADC445A}" dt="2019-05-08T10:58:29.530" v="7"/>
@@ -317,7 +386,7 @@
           <a:p>
             <a:fld id="{6F77F576-AE14-466D-AA6B-335273622B21}" type="datetimeFigureOut">
               <a:rPr lang="en-US" smtClean="0"/>
-              <a:t>5/8/2019</a:t>
+              <a:t>7/23/2019</a:t>
             </a:fld>
             <a:endParaRPr lang="en-US"/>
           </a:p>
@@ -716,7 +785,7 @@
           <a:p>
             <a:fld id="{54AA066D-271F-4C1A-B89A-0705A7689EE9}" type="datetimeFigureOut">
               <a:rPr lang="en-US" smtClean="0"/>
-              <a:t>5/8/2019</a:t>
+              <a:t>7/23/2019</a:t>
             </a:fld>
             <a:endParaRPr lang="en-US"/>
           </a:p>
@@ -886,7 +955,7 @@
           <a:p>
             <a:fld id="{54AA066D-271F-4C1A-B89A-0705A7689EE9}" type="datetimeFigureOut">
               <a:rPr lang="en-US" smtClean="0"/>
-              <a:t>5/8/2019</a:t>
+              <a:t>7/23/2019</a:t>
             </a:fld>
             <a:endParaRPr lang="en-US"/>
           </a:p>
@@ -1066,7 +1135,7 @@
           <a:p>
             <a:fld id="{54AA066D-271F-4C1A-B89A-0705A7689EE9}" type="datetimeFigureOut">
               <a:rPr lang="en-US" smtClean="0"/>
-              <a:t>5/8/2019</a:t>
+              <a:t>7/23/2019</a:t>
             </a:fld>
             <a:endParaRPr lang="en-US"/>
           </a:p>
@@ -1236,7 +1305,7 @@
           <a:p>
             <a:fld id="{54AA066D-271F-4C1A-B89A-0705A7689EE9}" type="datetimeFigureOut">
               <a:rPr lang="en-US" smtClean="0"/>
-              <a:t>5/8/2019</a:t>
+              <a:t>7/23/2019</a:t>
             </a:fld>
             <a:endParaRPr lang="en-US"/>
           </a:p>
@@ -1482,7 +1551,7 @@
           <a:p>
             <a:fld id="{54AA066D-271F-4C1A-B89A-0705A7689EE9}" type="datetimeFigureOut">
               <a:rPr lang="en-US" smtClean="0"/>
-              <a:t>5/8/2019</a:t>
+              <a:t>7/23/2019</a:t>
             </a:fld>
             <a:endParaRPr lang="en-US"/>
           </a:p>
@@ -1714,7 +1783,7 @@
           <a:p>
             <a:fld id="{54AA066D-271F-4C1A-B89A-0705A7689EE9}" type="datetimeFigureOut">
               <a:rPr lang="en-US" smtClean="0"/>
-              <a:t>5/8/2019</a:t>
+              <a:t>7/23/2019</a:t>
             </a:fld>
             <a:endParaRPr lang="en-US"/>
           </a:p>
@@ -2081,7 +2150,7 @@
           <a:p>
             <a:fld id="{54AA066D-271F-4C1A-B89A-0705A7689EE9}" type="datetimeFigureOut">
               <a:rPr lang="en-US" smtClean="0"/>
-              <a:t>5/8/2019</a:t>
+              <a:t>7/23/2019</a:t>
             </a:fld>
             <a:endParaRPr lang="en-US"/>
           </a:p>
@@ -2199,7 +2268,7 @@
           <a:p>
             <a:fld id="{54AA066D-271F-4C1A-B89A-0705A7689EE9}" type="datetimeFigureOut">
               <a:rPr lang="en-US" smtClean="0"/>
-              <a:t>5/8/2019</a:t>
+              <a:t>7/23/2019</a:t>
             </a:fld>
             <a:endParaRPr lang="en-US"/>
           </a:p>
@@ -2294,7 +2363,7 @@
           <a:p>
             <a:fld id="{54AA066D-271F-4C1A-B89A-0705A7689EE9}" type="datetimeFigureOut">
               <a:rPr lang="en-US" smtClean="0"/>
-              <a:t>5/8/2019</a:t>
+              <a:t>7/23/2019</a:t>
             </a:fld>
             <a:endParaRPr lang="en-US"/>
           </a:p>
@@ -2571,7 +2640,7 @@
           <a:p>
             <a:fld id="{54AA066D-271F-4C1A-B89A-0705A7689EE9}" type="datetimeFigureOut">
               <a:rPr lang="en-US" smtClean="0"/>
-              <a:t>5/8/2019</a:t>
+              <a:t>7/23/2019</a:t>
             </a:fld>
             <a:endParaRPr lang="en-US"/>
           </a:p>
@@ -2824,7 +2893,7 @@
           <a:p>
             <a:fld id="{54AA066D-271F-4C1A-B89A-0705A7689EE9}" type="datetimeFigureOut">
               <a:rPr lang="en-US" smtClean="0"/>
-              <a:t>5/8/2019</a:t>
+              <a:t>7/23/2019</a:t>
             </a:fld>
             <a:endParaRPr lang="en-US"/>
           </a:p>
@@ -3037,7 +3106,7 @@
           <a:p>
             <a:fld id="{54AA066D-271F-4C1A-B89A-0705A7689EE9}" type="datetimeFigureOut">
               <a:rPr lang="en-US" smtClean="0"/>
-              <a:t>5/8/2019</a:t>
+              <a:t>7/23/2019</a:t>
             </a:fld>
             <a:endParaRPr lang="en-US"/>
           </a:p>
@@ -3564,42 +3633,6 @@
           </a:p>
         </p:txBody>
       </p:sp>
-      <p:pic>
-        <p:nvPicPr>
-          <p:cNvPr id="13" name="Resim 12">
-            <a:extLst>
-              <a:ext uri="{FF2B5EF4-FFF2-40B4-BE49-F238E27FC236}">
-                <a16:creationId xmlns:a16="http://schemas.microsoft.com/office/drawing/2014/main" id="{9ECD3A5C-4BED-402A-BEDF-89E741423E9F}"/>
-              </a:ext>
-            </a:extLst>
-          </p:cNvPr>
-          <p:cNvPicPr>
-            <a:picLocks noChangeAspect="1"/>
-          </p:cNvPicPr>
-          <p:nvPr/>
-        </p:nvPicPr>
-        <p:blipFill>
-          <a:blip r:embed="rId3">
-            <a:extLst>
-              <a:ext uri="{28A0092B-C50C-407E-A947-70E740481C1C}">
-                <a14:useLocalDpi xmlns:a14="http://schemas.microsoft.com/office/drawing/2010/main" val="0"/>
-              </a:ext>
-            </a:extLst>
-          </a:blip>
-          <a:stretch>
-            <a:fillRect/>
-          </a:stretch>
-        </p:blipFill>
-        <p:spPr>
-          <a:xfrm>
-            <a:off x="340622" y="6362072"/>
-            <a:ext cx="2154700" cy="308365"/>
-          </a:xfrm>
-          <a:prstGeom prst="rect">
-            <a:avLst/>
-          </a:prstGeom>
-        </p:spPr>
-      </p:pic>
     </p:spTree>
     <p:extLst>
       <p:ext uri="{BB962C8B-B14F-4D97-AF65-F5344CB8AC3E}">
@@ -3973,42 +4006,6 @@
           </a:p>
         </p:txBody>
       </p:sp>
-      <p:pic>
-        <p:nvPicPr>
-          <p:cNvPr id="16" name="Resim 15">
-            <a:extLst>
-              <a:ext uri="{FF2B5EF4-FFF2-40B4-BE49-F238E27FC236}">
-                <a16:creationId xmlns:a16="http://schemas.microsoft.com/office/drawing/2014/main" id="{A16F4191-1DAA-4FF6-B465-B8F10EE63FC0}"/>
-              </a:ext>
-            </a:extLst>
-          </p:cNvPr>
-          <p:cNvPicPr>
-            <a:picLocks noChangeAspect="1"/>
-          </p:cNvPicPr>
-          <p:nvPr/>
-        </p:nvPicPr>
-        <p:blipFill>
-          <a:blip r:embed="rId2">
-            <a:extLst>
-              <a:ext uri="{28A0092B-C50C-407E-A947-70E740481C1C}">
-                <a14:useLocalDpi xmlns:a14="http://schemas.microsoft.com/office/drawing/2010/main" val="0"/>
-              </a:ext>
-            </a:extLst>
-          </a:blip>
-          <a:stretch>
-            <a:fillRect/>
-          </a:stretch>
-        </p:blipFill>
-        <p:spPr>
-          <a:xfrm>
-            <a:off x="340622" y="6362072"/>
-            <a:ext cx="2154700" cy="308365"/>
-          </a:xfrm>
-          <a:prstGeom prst="rect">
-            <a:avLst/>
-          </a:prstGeom>
-        </p:spPr>
-      </p:pic>
     </p:spTree>
     <p:extLst>
       <p:ext uri="{BB962C8B-B14F-4D97-AF65-F5344CB8AC3E}">
@@ -4721,42 +4718,6 @@
           </a:p>
         </p:txBody>
       </p:sp>
-      <p:pic>
-        <p:nvPicPr>
-          <p:cNvPr id="18" name="Resim 17">
-            <a:extLst>
-              <a:ext uri="{FF2B5EF4-FFF2-40B4-BE49-F238E27FC236}">
-                <a16:creationId xmlns:a16="http://schemas.microsoft.com/office/drawing/2014/main" id="{FFB724D6-B83B-4FE6-9380-0F8ED999E4FA}"/>
-              </a:ext>
-            </a:extLst>
-          </p:cNvPr>
-          <p:cNvPicPr>
-            <a:picLocks noChangeAspect="1"/>
-          </p:cNvPicPr>
-          <p:nvPr/>
-        </p:nvPicPr>
-        <p:blipFill>
-          <a:blip r:embed="rId2">
-            <a:extLst>
-              <a:ext uri="{28A0092B-C50C-407E-A947-70E740481C1C}">
-                <a14:useLocalDpi xmlns:a14="http://schemas.microsoft.com/office/drawing/2010/main" val="0"/>
-              </a:ext>
-            </a:extLst>
-          </a:blip>
-          <a:stretch>
-            <a:fillRect/>
-          </a:stretch>
-        </p:blipFill>
-        <p:spPr>
-          <a:xfrm>
-            <a:off x="340622" y="6362072"/>
-            <a:ext cx="2154700" cy="308365"/>
-          </a:xfrm>
-          <a:prstGeom prst="rect">
-            <a:avLst/>
-          </a:prstGeom>
-        </p:spPr>
-      </p:pic>
     </p:spTree>
     <p:extLst>
       <p:ext uri="{BB962C8B-B14F-4D97-AF65-F5344CB8AC3E}">
@@ -6259,42 +6220,6 @@
           </a:p>
         </p:txBody>
       </p:sp>
-      <p:pic>
-        <p:nvPicPr>
-          <p:cNvPr id="22" name="Resim 21">
-            <a:extLst>
-              <a:ext uri="{FF2B5EF4-FFF2-40B4-BE49-F238E27FC236}">
-                <a16:creationId xmlns:a16="http://schemas.microsoft.com/office/drawing/2014/main" id="{828A429A-E826-4210-9B43-7F4FFFBEFEC1}"/>
-              </a:ext>
-            </a:extLst>
-          </p:cNvPr>
-          <p:cNvPicPr>
-            <a:picLocks noChangeAspect="1"/>
-          </p:cNvPicPr>
-          <p:nvPr/>
-        </p:nvPicPr>
-        <p:blipFill>
-          <a:blip r:embed="rId2">
-            <a:extLst>
-              <a:ext uri="{28A0092B-C50C-407E-A947-70E740481C1C}">
-                <a14:useLocalDpi xmlns:a14="http://schemas.microsoft.com/office/drawing/2010/main" val="0"/>
-              </a:ext>
-            </a:extLst>
-          </a:blip>
-          <a:stretch>
-            <a:fillRect/>
-          </a:stretch>
-        </p:blipFill>
-        <p:spPr>
-          <a:xfrm>
-            <a:off x="340622" y="6362072"/>
-            <a:ext cx="2154700" cy="308365"/>
-          </a:xfrm>
-          <a:prstGeom prst="rect">
-            <a:avLst/>
-          </a:prstGeom>
-        </p:spPr>
-      </p:pic>
     </p:spTree>
     <p:extLst>
       <p:ext uri="{BB962C8B-B14F-4D97-AF65-F5344CB8AC3E}">
